--- a/Bootstrap.pptx
+++ b/Bootstrap.pptx
@@ -329,7 +329,18 @@
   </p:defaultTextStyle>
   <p:extLst>
     <p:ext uri="{EFAFB233-063F-42B5-8137-9DF3F51BA10A}">
-      <p15:sldGuideLst xmlns:p15="http://schemas.microsoft.com/office/powerpoint/2012/main" xmlns=""/>
+      <p15:sldGuideLst xmlns:p15="http://schemas.microsoft.com/office/powerpoint/2012/main">
+        <p15:guide id="1" orient="horz" pos="2160">
+          <p15:clr>
+            <a:srgbClr val="A4A3A4"/>
+          </p15:clr>
+        </p15:guide>
+        <p15:guide id="2" pos="3840">
+          <p15:clr>
+            <a:srgbClr val="A4A3A4"/>
+          </p15:clr>
+        </p15:guide>
+      </p15:sldGuideLst>
     </p:ext>
   </p:extLst>
 </p:presentation>
@@ -1405,6 +1416,70 @@
         <p:txBody>
           <a:bodyPr/>
           <a:lstStyle/>
+          <a:p>
+            <a:pPr marL="0" marR="0" lvl="0" indent="0" algn="just" defTabSz="914400" eaLnBrk="1" fontAlgn="auto" latinLnBrk="0" hangingPunct="1">
+              <a:lnSpc>
+                <a:spcPct val="100000"/>
+              </a:lnSpc>
+              <a:spcBef>
+                <a:spcPts val="0"/>
+              </a:spcBef>
+              <a:spcAft>
+                <a:spcPts val="0"/>
+              </a:spcAft>
+              <a:buClrTx/>
+              <a:buSzTx/>
+              <a:buFontTx/>
+              <a:buNone/>
+              <a:tabLst/>
+              <a:defRPr/>
+            </a:pPr>
+            <a:r>
+              <a:rPr lang="pt-BR" dirty="0" smtClean="0">
+                <a:solidFill>
+                  <a:srgbClr val="666666"/>
+                </a:solidFill>
+              </a:rPr>
+              <a:t>Objetivo de resolver incompatibilidades dentro da própria empresa:</a:t>
+            </a:r>
+          </a:p>
+          <a:p>
+            <a:pPr marL="0" marR="0" lvl="0" indent="0" algn="just" defTabSz="914400" eaLnBrk="1" fontAlgn="auto" latinLnBrk="0" hangingPunct="1">
+              <a:lnSpc>
+                <a:spcPct val="100000"/>
+              </a:lnSpc>
+              <a:spcBef>
+                <a:spcPts val="0"/>
+              </a:spcBef>
+              <a:spcAft>
+                <a:spcPts val="0"/>
+              </a:spcAft>
+              <a:buClrTx/>
+              <a:buSzTx/>
+              <a:buFontTx/>
+              <a:buNone/>
+              <a:tabLst/>
+              <a:defRPr/>
+            </a:pPr>
+            <a:r>
+              <a:rPr lang="pt-BR" sz="1200" b="0" i="0" dirty="0" smtClean="0">
+                <a:effectLst/>
+                <a:latin typeface="+mn-lt"/>
+                <a:ea typeface="+mn-ea"/>
+                <a:cs typeface="+mn-cs"/>
+                <a:sym typeface="Calibri"/>
+              </a:rPr>
+              <a:t>O intuito era otimizar o desenvolvimento através da adoção de uma estrutura única. Isto reduziria inconsistências entre as diversas formas de se codificar, que variam de profissional para profissional.</a:t>
+            </a:r>
+            <a:endParaRPr lang="pt-BR" dirty="0" smtClean="0">
+              <a:solidFill>
+                <a:schemeClr val="tx1">
+                  <a:lumMod val="65000"/>
+                  <a:lumOff val="35000"/>
+                </a:schemeClr>
+              </a:solidFill>
+            </a:endParaRPr>
+          </a:p>
           <a:p>
             <a:endParaRPr lang="pt-BR" dirty="0"/>
           </a:p>
@@ -3624,7 +3699,7 @@
         </p:blipFill>
         <p:spPr>
           <a:xfrm>
-            <a:off x="7915180" y="3531812"/>
+            <a:off x="7963368" y="3786993"/>
             <a:ext cx="1463039" cy="1463039"/>
           </a:xfrm>
           <a:prstGeom prst="rect">
@@ -3679,7 +3754,7 @@
         </p:nvSpPr>
         <p:spPr>
           <a:xfrm>
-            <a:off x="3962400" y="3770872"/>
+            <a:off x="4010588" y="4026053"/>
             <a:ext cx="1713186" cy="1200329"/>
           </a:xfrm>
           <a:prstGeom prst="rect">
@@ -3777,7 +3852,7 @@
         </p:nvSpPr>
         <p:spPr>
           <a:xfrm>
-            <a:off x="1770993" y="3504073"/>
+            <a:off x="1819181" y="3759254"/>
             <a:ext cx="6096000" cy="1477328"/>
           </a:xfrm>
           <a:prstGeom prst="rect">
@@ -6430,18 +6505,7 @@
                   </a:schemeClr>
                 </a:solidFill>
               </a:rPr>
-              <a:t>f</a:t>
-            </a:r>
-            <a:r>
-              <a:rPr lang="pt-BR" dirty="0" err="1" smtClean="0">
-                <a:solidFill>
-                  <a:schemeClr val="tx1">
-                    <a:lumMod val="65000"/>
-                    <a:lumOff val="35000"/>
-                  </a:schemeClr>
-                </a:solidFill>
-              </a:rPr>
-              <a:t>orm-inline</a:t>
+              <a:t>form-inline</a:t>
             </a:r>
             <a:endParaRPr lang="pt-BR" dirty="0">
               <a:solidFill>
@@ -7031,7 +7095,7 @@
         <p:spPr>
           <a:xfrm>
             <a:off x="1895590" y="2260121"/>
-            <a:ext cx="8556751" cy="3000819"/>
+            <a:ext cx="8556751" cy="3416318"/>
           </a:xfrm>
           <a:prstGeom prst="rect">
             <a:avLst/>
@@ -7075,7 +7139,77 @@
                   <a:srgbClr val="666666"/>
                 </a:solidFill>
               </a:rPr>
-              <a:t>Desenvolvido por Jacob </a:t>
+              <a:t>Trata-se de um framework front-</a:t>
+            </a:r>
+            <a:r>
+              <a:rPr lang="pt-BR" dirty="0" err="1">
+                <a:solidFill>
+                  <a:srgbClr val="666666"/>
+                </a:solidFill>
+              </a:rPr>
+              <a:t>end</a:t>
+            </a:r>
+            <a:r>
+              <a:rPr lang="pt-BR" dirty="0">
+                <a:solidFill>
+                  <a:srgbClr val="666666"/>
+                </a:solidFill>
+              </a:rPr>
+              <a:t> que veio para facilitar e agilizar o trabalho, oferecendo padrões para HTML, </a:t>
+            </a:r>
+            <a:r>
+              <a:rPr lang="pt-BR" dirty="0" err="1">
+                <a:solidFill>
+                  <a:srgbClr val="666666"/>
+                </a:solidFill>
+              </a:rPr>
+              <a:t>JavaScript</a:t>
+            </a:r>
+            <a:r>
+              <a:rPr lang="pt-BR" dirty="0">
+                <a:solidFill>
+                  <a:srgbClr val="666666"/>
+                </a:solidFill>
+              </a:rPr>
+              <a:t> e </a:t>
+            </a:r>
+            <a:r>
+              <a:rPr lang="pt-BR" dirty="0" smtClean="0">
+                <a:solidFill>
+                  <a:srgbClr val="666666"/>
+                </a:solidFill>
+              </a:rPr>
+              <a:t>CSS;</a:t>
+            </a:r>
+            <a:endParaRPr lang="pt-BR" dirty="0">
+              <a:solidFill>
+                <a:srgbClr val="666666"/>
+              </a:solidFill>
+            </a:endParaRPr>
+          </a:p>
+          <a:p>
+            <a:pPr marL="342900" lvl="8" indent="-342900" algn="just">
+              <a:lnSpc>
+                <a:spcPct val="150000"/>
+              </a:lnSpc>
+              <a:buFont typeface="Arial" panose="020B0604020202020204" pitchFamily="34" charset="0"/>
+              <a:buChar char="•"/>
+            </a:pPr>
+            <a:r>
+              <a:rPr lang="pt-BR" dirty="0" smtClean="0">
+                <a:solidFill>
+                  <a:srgbClr val="666666"/>
+                </a:solidFill>
+              </a:rPr>
+              <a:t>Desenvolvido </a:t>
+            </a:r>
+            <a:r>
+              <a:rPr lang="pt-BR" dirty="0">
+                <a:solidFill>
+                  <a:srgbClr val="666666"/>
+                </a:solidFill>
+              </a:rPr>
+              <a:t>por Jacob </a:t>
             </a:r>
             <a:r>
               <a:rPr lang="pt-BR" dirty="0" err="1">
@@ -7135,12 +7269,12 @@
               <a:buChar char="•"/>
             </a:pPr>
             <a:r>
-              <a:rPr lang="pt-BR" dirty="0">
+              <a:rPr lang="pt-BR" dirty="0" smtClean="0">
                 <a:solidFill>
                   <a:srgbClr val="666666"/>
                 </a:solidFill>
               </a:rPr>
-              <a:t>Objetivo de resolver incompatibilidades dentro da própria </a:t>
+              <a:t>Criado </a:t>
             </a:r>
             <a:r>
               <a:rPr lang="pt-BR" dirty="0" smtClean="0">
@@ -7148,32 +7282,7 @@
                   <a:srgbClr val="666666"/>
                 </a:solidFill>
               </a:rPr>
-              <a:t>empresa;</a:t>
-            </a:r>
-            <a:endParaRPr lang="pt-BR" dirty="0">
-              <a:solidFill>
-                <a:schemeClr val="tx1">
-                  <a:lumMod val="65000"/>
-                  <a:lumOff val="35000"/>
-                </a:schemeClr>
-              </a:solidFill>
-            </a:endParaRPr>
-          </a:p>
-          <a:p>
-            <a:pPr marL="342900" lvl="8" indent="-342900" algn="just">
-              <a:lnSpc>
-                <a:spcPct val="150000"/>
-              </a:lnSpc>
-              <a:buFont typeface="Arial" panose="020B0604020202020204" pitchFamily="34" charset="0"/>
-              <a:buChar char="•"/>
-            </a:pPr>
-            <a:r>
-              <a:rPr lang="pt-BR" dirty="0" smtClean="0">
-                <a:solidFill>
-                  <a:srgbClr val="666666"/>
-                </a:solidFill>
-              </a:rPr>
-              <a:t>Criado em meados de 2010 e lançando </a:t>
+              <a:t>em meados de 2010 e lançando </a:t>
             </a:r>
             <a:r>
               <a:rPr lang="pt-BR" dirty="0">

--- a/Bootstrap.pptx
+++ b/Bootstrap.pptx
@@ -2645,7 +2645,7 @@
           </a:ln>
           <a:extLst>
             <a:ext uri="{C572A759-6A51-4108-AA02-DFA0A04FC94B}">
-              <ma14:wrappingTextBoxFlag xmlns="" xmlns:ma14="http://schemas.microsoft.com/office/mac/drawingml/2011/main" val="1"/>
+              <ma14:wrappingTextBoxFlag xmlns:ma14="http://schemas.microsoft.com/office/mac/drawingml/2011/main" xmlns="" val="1"/>
             </a:ext>
           </a:extLst>
         </p:spPr>
@@ -2684,7 +2684,7 @@
           </a:ln>
           <a:extLst>
             <a:ext uri="{C572A759-6A51-4108-AA02-DFA0A04FC94B}">
-              <ma14:wrappingTextBoxFlag xmlns="" xmlns:ma14="http://schemas.microsoft.com/office/mac/drawingml/2011/main" val="1"/>
+              <ma14:wrappingTextBoxFlag xmlns:ma14="http://schemas.microsoft.com/office/mac/drawingml/2011/main" xmlns="" val="1"/>
             </a:ext>
           </a:extLst>
         </p:spPr>
@@ -7274,15 +7274,7 @@
                   <a:srgbClr val="666666"/>
                 </a:solidFill>
               </a:rPr>
-              <a:t>Criado </a:t>
-            </a:r>
-            <a:r>
-              <a:rPr lang="pt-BR" dirty="0" smtClean="0">
-                <a:solidFill>
-                  <a:srgbClr val="666666"/>
-                </a:solidFill>
-              </a:rPr>
-              <a:t>em meados de 2010 e lançando </a:t>
+              <a:t>Criado em meados de 2010 e lançando </a:t>
             </a:r>
             <a:r>
               <a:rPr lang="pt-BR" dirty="0">
@@ -7397,7 +7389,7 @@
           </a:ln>
           <a:extLst>
             <a:ext uri="{C572A759-6A51-4108-AA02-DFA0A04FC94B}">
-              <ma14:wrappingTextBoxFlag xmlns="" xmlns:ma14="http://schemas.microsoft.com/office/mac/drawingml/2011/main" val="1"/>
+              <ma14:wrappingTextBoxFlag xmlns:ma14="http://schemas.microsoft.com/office/mac/drawingml/2011/main" xmlns="" val="1"/>
             </a:ext>
           </a:extLst>
         </p:spPr>
